--- a/plugfest/2018-bundang/PlugfestSummary_rev1_hitachi.pptx
+++ b/plugfest/2018-bundang/PlugfestSummary_rev1_hitachi.pptx
@@ -9284,6 +9284,256 @@
           </a:fontRef>
         </p:style>
       </p:cxnSp>
+      <p:sp>
+        <p:nvSpPr>
+          <p:cNvPr id="96" name="楕円 95"/>
+          <p:cNvSpPr/>
+          <p:nvPr/>
+        </p:nvSpPr>
+        <p:spPr bwMode="gray">
+          <a:xfrm>
+            <a:off x="9581312" y="5067977"/>
+            <a:ext cx="728161" cy="372986"/>
+          </a:xfrm>
+          <a:prstGeom prst="ellipse">
+            <a:avLst/>
+          </a:prstGeom>
+          <a:solidFill>
+            <a:srgbClr val="D6EAFA"/>
+          </a:solidFill>
+          <a:ln w="9525" cap="flat" cmpd="sng" algn="ctr">
+            <a:solidFill>
+              <a:srgbClr val="FF0000"/>
+            </a:solidFill>
+            <a:prstDash val="solid"/>
+            <a:round/>
+            <a:headEnd type="none" w="med" len="med"/>
+            <a:tailEnd type="none" w="med" len="med"/>
+          </a:ln>
+          <a:effectLst/>
+          <a:extLst/>
+        </p:spPr>
+        <p:txBody>
+          <a:bodyPr rot="0" spcFirstLastPara="0" vertOverflow="overflow" horzOverflow="overflow" vert="horz" wrap="none" lIns="36000" tIns="45720" rIns="36000" bIns="45720" numCol="1" spcCol="0" rtlCol="0" fromWordArt="0" anchor="ctr" anchorCtr="0" forceAA="0" compatLnSpc="1">
+            <a:prstTxWarp prst="textNoShape">
+              <a:avLst/>
+            </a:prstTxWarp>
+            <a:noAutofit/>
+          </a:bodyPr>
+          <a:lstStyle/>
+          <a:p>
+            <a:pPr marL="0" marR="0" indent="0" algn="ctr" defTabSz="914400" rtl="0" eaLnBrk="1" fontAlgn="ctr" latinLnBrk="0" hangingPunct="1">
+              <a:lnSpc>
+                <a:spcPct val="100000"/>
+              </a:lnSpc>
+              <a:spcBef>
+                <a:spcPct val="0"/>
+              </a:spcBef>
+              <a:spcAft>
+                <a:spcPct val="0"/>
+              </a:spcAft>
+              <a:buClrTx/>
+              <a:buSzTx/>
+              <a:buFontTx/>
+              <a:buNone/>
+              <a:tabLst/>
+            </a:pPr>
+            <a:r>
+              <a:rPr lang="en-US" altLang="ja-JP" sz="700" dirty="0" smtClean="0">
+                <a:latin typeface="Meiryo UI" panose="020B0604030504040204" pitchFamily="50" charset="-128"/>
+                <a:ea typeface="Meiryo UI" panose="020B0604030504040204" pitchFamily="50" charset="-128"/>
+              </a:rPr>
+              <a:t>Web Camera</a:t>
+            </a:r>
+            <a:endParaRPr lang="en-US" altLang="ja-JP" sz="700" dirty="0" smtClean="0">
+              <a:latin typeface="Meiryo UI" panose="020B0604030504040204" pitchFamily="50" charset="-128"/>
+              <a:ea typeface="Meiryo UI" panose="020B0604030504040204" pitchFamily="50" charset="-128"/>
+            </a:endParaRPr>
+          </a:p>
+          <a:p>
+            <a:pPr marL="0" marR="0" indent="0" algn="ctr" defTabSz="914400" rtl="0" eaLnBrk="1" fontAlgn="ctr" latinLnBrk="0" hangingPunct="1">
+              <a:lnSpc>
+                <a:spcPct val="100000"/>
+              </a:lnSpc>
+              <a:spcBef>
+                <a:spcPct val="0"/>
+              </a:spcBef>
+              <a:spcAft>
+                <a:spcPct val="0"/>
+              </a:spcAft>
+              <a:buClrTx/>
+              <a:buSzTx/>
+              <a:buFontTx/>
+              <a:buNone/>
+              <a:tabLst/>
+            </a:pPr>
+            <a:r>
+              <a:rPr kumimoji="1" lang="en-US" altLang="ja-JP" sz="700" b="0" i="0" u="none" strike="noStrike" cap="none" normalizeH="0" baseline="0" dirty="0" smtClean="0">
+                <a:ln>
+                  <a:noFill/>
+                </a:ln>
+                <a:effectLst/>
+                <a:latin typeface="Meiryo UI" panose="020B0604030504040204" pitchFamily="50" charset="-128"/>
+                <a:ea typeface="Meiryo UI" panose="020B0604030504040204" pitchFamily="50" charset="-128"/>
+              </a:rPr>
+              <a:t>(</a:t>
+            </a:r>
+            <a:r>
+              <a:rPr kumimoji="1" lang="en-US" altLang="ja-JP" sz="700" dirty="0" smtClean="0">
+                <a:latin typeface="Meiryo UI" panose="020B0604030504040204" pitchFamily="50" charset="-128"/>
+                <a:ea typeface="Meiryo UI" panose="020B0604030504040204" pitchFamily="50" charset="-128"/>
+              </a:rPr>
+              <a:t>Intel</a:t>
+            </a:r>
+            <a:r>
+              <a:rPr kumimoji="1" lang="en-US" altLang="ja-JP" sz="700" b="0" i="0" u="none" strike="noStrike" cap="none" normalizeH="0" baseline="0" dirty="0" smtClean="0">
+                <a:ln>
+                  <a:noFill/>
+                </a:ln>
+                <a:effectLst/>
+                <a:latin typeface="Meiryo UI" panose="020B0604030504040204" pitchFamily="50" charset="-128"/>
+                <a:ea typeface="Meiryo UI" panose="020B0604030504040204" pitchFamily="50" charset="-128"/>
+              </a:rPr>
+              <a:t>)</a:t>
+            </a:r>
+            <a:endParaRPr kumimoji="1" lang="ja-JP" altLang="en-US" sz="700" b="0" i="0" u="none" strike="noStrike" cap="none" normalizeH="0" baseline="0" dirty="0" err="1" smtClean="0">
+              <a:ln>
+                <a:noFill/>
+              </a:ln>
+              <a:effectLst/>
+              <a:latin typeface="Meiryo UI" panose="020B0604030504040204" pitchFamily="50" charset="-128"/>
+              <a:ea typeface="Meiryo UI" panose="020B0604030504040204" pitchFamily="50" charset="-128"/>
+            </a:endParaRPr>
+          </a:p>
+        </p:txBody>
+      </p:sp>
+      <p:cxnSp>
+        <p:nvCxnSpPr>
+          <p:cNvPr id="97" name="直線コネクタ 96"/>
+          <p:cNvCxnSpPr>
+            <a:stCxn id="13" idx="4"/>
+            <a:endCxn id="96" idx="0"/>
+          </p:cNvCxnSpPr>
+          <p:nvPr/>
+        </p:nvCxnSpPr>
+        <p:spPr>
+          <a:xfrm>
+            <a:off x="2182448" y="1528710"/>
+            <a:ext cx="7762945" cy="3539267"/>
+          </a:xfrm>
+          <a:prstGeom prst="line">
+            <a:avLst/>
+          </a:prstGeom>
+          <a:ln>
+            <a:solidFill>
+              <a:srgbClr val="FF0000"/>
+            </a:solidFill>
+          </a:ln>
+        </p:spPr>
+        <p:style>
+          <a:lnRef idx="1">
+            <a:schemeClr val="accent1"/>
+          </a:lnRef>
+          <a:fillRef idx="0">
+            <a:schemeClr val="accent1"/>
+          </a:fillRef>
+          <a:effectRef idx="0">
+            <a:schemeClr val="accent1"/>
+          </a:effectRef>
+          <a:fontRef idx="minor">
+            <a:schemeClr val="tx1"/>
+          </a:fontRef>
+        </p:style>
+      </p:cxnSp>
+      <p:cxnSp>
+        <p:nvCxnSpPr>
+          <p:cNvPr id="11" name="直線矢印コネクタ 10"/>
+          <p:cNvCxnSpPr/>
+          <p:nvPr/>
+        </p:nvCxnSpPr>
+        <p:spPr>
+          <a:xfrm>
+            <a:off x="3950208" y="5265298"/>
+            <a:ext cx="4021034" cy="644171"/>
+          </a:xfrm>
+          <a:prstGeom prst="straightConnector1">
+            <a:avLst/>
+          </a:prstGeom>
+          <a:ln w="57150">
+            <a:solidFill>
+              <a:srgbClr val="FF0000"/>
+            </a:solidFill>
+            <a:tailEnd type="triangle"/>
+          </a:ln>
+        </p:spPr>
+        <p:style>
+          <a:lnRef idx="1">
+            <a:schemeClr val="accent1"/>
+          </a:lnRef>
+          <a:fillRef idx="0">
+            <a:schemeClr val="accent1"/>
+          </a:fillRef>
+          <a:effectRef idx="0">
+            <a:schemeClr val="accent1"/>
+          </a:effectRef>
+          <a:fontRef idx="minor">
+            <a:schemeClr val="tx1"/>
+          </a:fontRef>
+        </p:style>
+      </p:cxnSp>
+      <p:sp>
+        <p:nvSpPr>
+          <p:cNvPr id="12" name="四角形吹き出し 11"/>
+          <p:cNvSpPr/>
+          <p:nvPr/>
+        </p:nvSpPr>
+        <p:spPr>
+          <a:xfrm>
+            <a:off x="3547864" y="5757775"/>
+            <a:ext cx="1912092" cy="896946"/>
+          </a:xfrm>
+          <a:prstGeom prst="wedgeRectCallout">
+            <a:avLst>
+              <a:gd name="adj1" fmla="val -28490"/>
+              <a:gd name="adj2" fmla="val -84425"/>
+            </a:avLst>
+          </a:prstGeom>
+        </p:spPr>
+        <p:style>
+          <a:lnRef idx="1">
+            <a:schemeClr val="accent2"/>
+          </a:lnRef>
+          <a:fillRef idx="3">
+            <a:schemeClr val="accent2"/>
+          </a:fillRef>
+          <a:effectRef idx="2">
+            <a:schemeClr val="accent2"/>
+          </a:effectRef>
+          <a:fontRef idx="minor">
+            <a:schemeClr val="lt1"/>
+          </a:fontRef>
+        </p:style>
+        <p:txBody>
+          <a:bodyPr rtlCol="0" anchor="ctr"/>
+          <a:lstStyle/>
+          <a:p>
+            <a:pPr algn="ctr"/>
+            <a:r>
+              <a:rPr kumimoji="1" lang="en-US" altLang="ja-JP" dirty="0" smtClean="0"/>
+              <a:t>Motion sensor (Intel) is one of OCF </a:t>
+            </a:r>
+            <a:r>
+              <a:rPr kumimoji="1" lang="en-US" altLang="ja-JP" dirty="0" err="1" smtClean="0"/>
+              <a:t>devs</a:t>
+            </a:r>
+            <a:r>
+              <a:rPr kumimoji="1" lang="en-US" altLang="ja-JP" dirty="0" smtClean="0"/>
+              <a:t>? </a:t>
+            </a:r>
+            <a:endParaRPr kumimoji="1" lang="ja-JP" altLang="en-US" dirty="0"/>
+          </a:p>
+        </p:txBody>
+      </p:sp>
     </p:spTree>
     <p:extLst>
       <p:ext uri="{BB962C8B-B14F-4D97-AF65-F5344CB8AC3E}">
